--- a/ОБЗОР ЛЕКСИКИ КОМЕДИИ.pptx
+++ b/ОБЗОР ЛЕКСИКИ КОМЕДИИ.pptx
@@ -12,6 +12,8 @@
     <p:sldId id="261" r:id="rId6"/>
     <p:sldId id="262" r:id="rId7"/>
     <p:sldId id="263" r:id="rId8"/>
+    <p:sldId id="264" r:id="rId9"/>
+    <p:sldId id="265" r:id="rId10"/>
   </p:sldIdLst>
   <p:sldSz cx="12192000" cy="6858000"/>
   <p:notesSz cx="6858000" cy="9144000"/>
@@ -110,6 +112,11 @@
       </a:defRPr>
     </a:lvl9pPr>
   </p:defaultTextStyle>
+  <p:extLst>
+    <p:ext uri="{EFAFB233-063F-42B5-8137-9DF3F51BA10A}">
+      <p15:sldGuideLst xmlns:p15="http://schemas.microsoft.com/office/powerpoint/2012/main"/>
+    </p:ext>
+  </p:extLst>
 </p:presentation>
 </file>
 
@@ -4025,51 +4032,51 @@
           <a:lstStyle/>
           <a:p>
             <a:r>
+              <a:rPr lang="ru-RU" sz="2400" dirty="0"/>
+              <a:t>Без стоп-слов:</a:t>
+            </a:r>
+          </a:p>
+          <a:p>
+            <a:pPr lvl="1"/>
+            <a:r>
               <a:rPr lang="ru-RU" sz="2000" dirty="0"/>
-              <a:t>Без стоп-слов:</a:t>
-            </a:r>
+              <a:t>Комедия: 7329</a:t>
+            </a:r>
+            <a:r>
+              <a:rPr lang="en-US" sz="2000" dirty="0"/>
+              <a:t> (75%)</a:t>
+            </a:r>
+            <a:endParaRPr lang="ru-RU" sz="2000" dirty="0"/>
           </a:p>
           <a:p>
             <a:pPr lvl="1"/>
             <a:r>
-              <a:rPr lang="ru-RU" sz="1800" dirty="0"/>
-              <a:t>Комедия: 7329</a:t>
-            </a:r>
-            <a:r>
-              <a:rPr lang="en-US" sz="1800" dirty="0"/>
-              <a:t> (75%)</a:t>
-            </a:r>
-            <a:endParaRPr lang="ru-RU" sz="1800" dirty="0"/>
+              <a:rPr lang="ru-RU" sz="2000" dirty="0"/>
+              <a:t>Не-комедия: 27436</a:t>
+            </a:r>
+            <a:r>
+              <a:rPr lang="en-US" sz="2000" dirty="0"/>
+              <a:t> (78%)</a:t>
+            </a:r>
+            <a:endParaRPr lang="ru-RU" sz="2000" dirty="0"/>
+          </a:p>
+          <a:p>
+            <a:r>
+              <a:rPr lang="ru-RU" sz="2400" dirty="0"/>
+              <a:t>Со стоп-словами:</a:t>
+            </a:r>
           </a:p>
           <a:p>
             <a:pPr lvl="1"/>
             <a:r>
-              <a:rPr lang="ru-RU" sz="1800" dirty="0"/>
-              <a:t>Не-комедия: 27436</a:t>
-            </a:r>
-            <a:r>
-              <a:rPr lang="en-US" sz="1800" dirty="0"/>
-              <a:t> (78%)</a:t>
-            </a:r>
-            <a:endParaRPr lang="ru-RU" sz="1800" dirty="0"/>
-          </a:p>
-          <a:p>
-            <a:r>
               <a:rPr lang="ru-RU" sz="2000" dirty="0"/>
-              <a:t>Со стоп-словами:</a:t>
+              <a:t>Комедия: 9801</a:t>
             </a:r>
           </a:p>
           <a:p>
             <a:pPr lvl="1"/>
             <a:r>
-              <a:rPr lang="ru-RU" sz="1800" dirty="0"/>
-              <a:t>Комедия: 9801</a:t>
-            </a:r>
-          </a:p>
-          <a:p>
-            <a:pPr lvl="1"/>
-            <a:r>
-              <a:rPr lang="ru-RU" sz="1800" dirty="0"/>
+              <a:rPr lang="ru-RU" sz="2000" dirty="0"/>
               <a:t>Не-комедия: 35234</a:t>
             </a:r>
           </a:p>
@@ -4625,8 +4632,8 @@
         </p:blipFill>
         <p:spPr>
           <a:xfrm>
-            <a:off x="1471529" y="2611751"/>
-            <a:ext cx="1151145" cy="3678238"/>
+            <a:off x="1274871" y="1983372"/>
+            <a:ext cx="1504278" cy="4806599"/>
           </a:xfrm>
           <a:prstGeom prst="rect">
             <a:avLst/>
@@ -4655,8 +4662,8 @@
         </p:blipFill>
         <p:spPr>
           <a:xfrm>
-            <a:off x="4085556" y="2545868"/>
-            <a:ext cx="1270001" cy="3810003"/>
+            <a:off x="4103028" y="1845363"/>
+            <a:ext cx="1602975" cy="4808925"/>
           </a:xfrm>
           <a:prstGeom prst="rect">
             <a:avLst/>
@@ -4685,8 +4692,8 @@
         </p:blipFill>
         <p:spPr>
           <a:xfrm>
-            <a:off x="6661964" y="2549357"/>
-            <a:ext cx="1281195" cy="3740632"/>
+            <a:off x="6588124" y="1900220"/>
+            <a:ext cx="1670352" cy="4876831"/>
           </a:xfrm>
           <a:prstGeom prst="rect">
             <a:avLst/>
@@ -4715,8 +4722,8 @@
         </p:blipFill>
         <p:spPr>
           <a:xfrm>
-            <a:off x="9700607" y="2479987"/>
-            <a:ext cx="1216522" cy="3884762"/>
+            <a:off x="9771505" y="1884620"/>
+            <a:ext cx="1532076" cy="4892431"/>
           </a:xfrm>
           <a:prstGeom prst="rect">
             <a:avLst/>
@@ -4831,7 +4838,7 @@
           <a:lstStyle/>
           <a:p>
             <a:r>
-              <a:rPr lang="en-US" dirty="0"/>
+              <a:rPr lang="en-US" sz="2400" dirty="0"/>
               <a:t>714</a:t>
             </a:r>
             <a:endParaRPr lang="ru-RU" dirty="0"/>
@@ -4888,7 +4895,7 @@
           <a:lstStyle/>
           <a:p>
             <a:r>
-              <a:rPr lang="en-US" dirty="0"/>
+              <a:rPr lang="en-US" sz="2400" dirty="0"/>
               <a:t>312</a:t>
             </a:r>
             <a:endParaRPr lang="ru-RU" dirty="0"/>
@@ -5004,34 +5011,36 @@
         </p:nvSpPr>
         <p:spPr/>
         <p:txBody>
-          <a:bodyPr/>
-          <a:lstStyle/>
-          <a:p>
-            <a:r>
-              <a:rPr lang="en-US" dirty="0"/>
+          <a:bodyPr>
+            <a:normAutofit/>
+          </a:bodyPr>
+          <a:lstStyle/>
+          <a:p>
+            <a:r>
+              <a:rPr lang="en-US" sz="2400" dirty="0"/>
               <a:t>io1: 714</a:t>
             </a:r>
           </a:p>
           <a:p>
             <a:r>
-              <a:rPr lang="en-US" dirty="0" err="1"/>
+              <a:rPr lang="en-US" sz="2400" dirty="0" err="1"/>
               <a:t>vae</a:t>
             </a:r>
             <a:r>
-              <a:rPr lang="en-US" dirty="0"/>
+              <a:rPr lang="en-US" sz="2400" dirty="0"/>
               <a:t>: 306</a:t>
             </a:r>
           </a:p>
           <a:p>
             <a:r>
-              <a:rPr lang="en-US" dirty="0" err="1"/>
+              <a:rPr lang="en-US" sz="2400" dirty="0" err="1"/>
               <a:t>agedum</a:t>
             </a:r>
             <a:r>
-              <a:rPr lang="en-US" dirty="0"/>
+              <a:rPr lang="en-US" sz="2400" dirty="0"/>
               <a:t>: 204</a:t>
             </a:r>
-            <a:endParaRPr lang="ru-RU" dirty="0"/>
+            <a:endParaRPr lang="ru-RU" sz="2400" dirty="0"/>
           </a:p>
         </p:txBody>
       </p:sp>
@@ -5081,34 +5090,36 @@
         </p:nvSpPr>
         <p:spPr/>
         <p:txBody>
-          <a:bodyPr/>
-          <a:lstStyle/>
-          <a:p>
-            <a:r>
-              <a:rPr lang="en-US" dirty="0"/>
+          <a:bodyPr>
+            <a:normAutofit/>
+          </a:bodyPr>
+          <a:lstStyle/>
+          <a:p>
+            <a:r>
+              <a:rPr lang="en-US" sz="2400" dirty="0"/>
               <a:t>io1: 340</a:t>
             </a:r>
           </a:p>
           <a:p>
             <a:r>
-              <a:rPr lang="en-US" dirty="0" err="1"/>
+              <a:rPr lang="en-US" sz="2400" dirty="0" err="1"/>
               <a:t>vae</a:t>
             </a:r>
             <a:r>
-              <a:rPr lang="en-US" dirty="0"/>
+              <a:rPr lang="en-US" sz="2400" dirty="0"/>
               <a:t>: 0</a:t>
             </a:r>
           </a:p>
           <a:p>
             <a:r>
-              <a:rPr lang="en-US" dirty="0" err="1"/>
+              <a:rPr lang="en-US" sz="2400" dirty="0" err="1"/>
               <a:t>agedum</a:t>
             </a:r>
             <a:r>
-              <a:rPr lang="en-US" dirty="0"/>
+              <a:rPr lang="en-US" sz="2400" dirty="0"/>
               <a:t>: 24</a:t>
             </a:r>
-            <a:endParaRPr lang="ru-RU" dirty="0"/>
+            <a:endParaRPr lang="ru-RU" sz="2400" dirty="0"/>
           </a:p>
         </p:txBody>
       </p:sp>
@@ -5216,25 +5227,27 @@
         </p:nvSpPr>
         <p:spPr/>
         <p:txBody>
-          <a:bodyPr/>
-          <a:lstStyle/>
-          <a:p>
-            <a:r>
-              <a:rPr lang="en-US" dirty="0" err="1"/>
+          <a:bodyPr>
+            <a:normAutofit/>
+          </a:bodyPr>
+          <a:lstStyle/>
+          <a:p>
+            <a:r>
+              <a:rPr lang="en-US" sz="2400" dirty="0" err="1"/>
               <a:t>iste</a:t>
             </a:r>
             <a:r>
-              <a:rPr lang="en-US" dirty="0"/>
+              <a:rPr lang="en-US" sz="2400" dirty="0"/>
               <a:t>: 5203</a:t>
             </a:r>
-            <a:endParaRPr lang="ru-RU" dirty="0"/>
-          </a:p>
-          <a:p>
-            <a:r>
-              <a:rPr lang="en-US" dirty="0"/>
+            <a:endParaRPr lang="ru-RU" sz="2400" dirty="0"/>
+          </a:p>
+          <a:p>
+            <a:r>
+              <a:rPr lang="en-US" sz="2400" dirty="0"/>
               <a:t>quis1: 12957</a:t>
             </a:r>
-            <a:endParaRPr lang="ru-RU" dirty="0"/>
+            <a:endParaRPr lang="ru-RU" sz="2400" dirty="0"/>
           </a:p>
         </p:txBody>
       </p:sp>
@@ -5284,24 +5297,26 @@
         </p:nvSpPr>
         <p:spPr/>
         <p:txBody>
-          <a:bodyPr/>
-          <a:lstStyle/>
-          <a:p>
-            <a:r>
-              <a:rPr lang="en-US" dirty="0" err="1"/>
+          <a:bodyPr>
+            <a:normAutofit/>
+          </a:bodyPr>
+          <a:lstStyle/>
+          <a:p>
+            <a:r>
+              <a:rPr lang="en-US" sz="2400" dirty="0" err="1"/>
               <a:t>iste</a:t>
             </a:r>
             <a:r>
-              <a:rPr lang="en-US" dirty="0"/>
+              <a:rPr lang="en-US" sz="2400" dirty="0"/>
               <a:t>: 3036</a:t>
             </a:r>
           </a:p>
           <a:p>
             <a:r>
-              <a:rPr lang="en-US" dirty="0"/>
+              <a:rPr lang="en-US" sz="2400" dirty="0"/>
               <a:t>quis1: 5222</a:t>
             </a:r>
-            <a:endParaRPr lang="ru-RU" dirty="0"/>
+            <a:endParaRPr lang="ru-RU" sz="2400" dirty="0"/>
           </a:p>
         </p:txBody>
       </p:sp>
@@ -5309,6 +5324,606 @@
     <p:extLst>
       <p:ext uri="{BB962C8B-B14F-4D97-AF65-F5344CB8AC3E}">
         <p14:creationId xmlns:p14="http://schemas.microsoft.com/office/powerpoint/2010/main" val="699755952"/>
+      </p:ext>
+    </p:extLst>
+  </p:cSld>
+  <p:clrMapOvr>
+    <a:masterClrMapping/>
+  </p:clrMapOvr>
+</p:sld>
+</file>
+
+<file path=ppt/slides/slide8.xml><?xml version="1.0" encoding="utf-8"?>
+<p:sld xmlns:a="http://schemas.openxmlformats.org/drawingml/2006/main" xmlns:r="http://schemas.openxmlformats.org/officeDocument/2006/relationships" xmlns:p="http://schemas.openxmlformats.org/presentationml/2006/main">
+  <p:cSld>
+    <p:spTree>
+      <p:nvGrpSpPr>
+        <p:cNvPr id="1" name=""/>
+        <p:cNvGrpSpPr/>
+        <p:nvPr/>
+      </p:nvGrpSpPr>
+      <p:grpSpPr>
+        <a:xfrm>
+          <a:off x="0" y="0"/>
+          <a:ext cx="0" cy="0"/>
+          <a:chOff x="0" y="0"/>
+          <a:chExt cx="0" cy="0"/>
+        </a:xfrm>
+      </p:grpSpPr>
+      <p:sp>
+        <p:nvSpPr>
+          <p:cNvPr id="4" name="Заголовок 3">
+            <a:extLst>
+              <a:ext uri="{FF2B5EF4-FFF2-40B4-BE49-F238E27FC236}">
+                <a16:creationId xmlns:a16="http://schemas.microsoft.com/office/drawing/2014/main" id="{F1BE5FBE-3C10-4F8C-9354-AB2DFC68D0E6}"/>
+              </a:ext>
+            </a:extLst>
+          </p:cNvPr>
+          <p:cNvSpPr>
+            <a:spLocks noGrp="1"/>
+          </p:cNvSpPr>
+          <p:nvPr>
+            <p:ph type="title"/>
+          </p:nvPr>
+        </p:nvSpPr>
+        <p:spPr/>
+        <p:txBody>
+          <a:bodyPr/>
+          <a:lstStyle/>
+          <a:p>
+            <a:r>
+              <a:rPr lang="ru-RU" dirty="0"/>
+              <a:t>Глаголы говорения</a:t>
+            </a:r>
+          </a:p>
+        </p:txBody>
+      </p:sp>
+      <p:sp>
+        <p:nvSpPr>
+          <p:cNvPr id="5" name="Текст 4">
+            <a:extLst>
+              <a:ext uri="{FF2B5EF4-FFF2-40B4-BE49-F238E27FC236}">
+                <a16:creationId xmlns:a16="http://schemas.microsoft.com/office/drawing/2014/main" id="{64AE1892-C915-407D-A4E1-ED2B2D6F99F1}"/>
+              </a:ext>
+            </a:extLst>
+          </p:cNvPr>
+          <p:cNvSpPr>
+            <a:spLocks noGrp="1"/>
+          </p:cNvSpPr>
+          <p:nvPr>
+            <p:ph type="body" idx="1"/>
+          </p:nvPr>
+        </p:nvSpPr>
+        <p:spPr/>
+        <p:txBody>
+          <a:bodyPr/>
+          <a:lstStyle/>
+          <a:p>
+            <a:r>
+              <a:rPr lang="ru-RU" sz="2800" dirty="0"/>
+              <a:t>Комедия</a:t>
+            </a:r>
+          </a:p>
+        </p:txBody>
+      </p:sp>
+      <p:sp>
+        <p:nvSpPr>
+          <p:cNvPr id="6" name="Объект 5">
+            <a:extLst>
+              <a:ext uri="{FF2B5EF4-FFF2-40B4-BE49-F238E27FC236}">
+                <a16:creationId xmlns:a16="http://schemas.microsoft.com/office/drawing/2014/main" id="{C3F7880D-1046-4D5E-8421-8A890A10E7BF}"/>
+              </a:ext>
+            </a:extLst>
+          </p:cNvPr>
+          <p:cNvSpPr>
+            <a:spLocks noGrp="1"/>
+          </p:cNvSpPr>
+          <p:nvPr>
+            <p:ph sz="half" idx="2"/>
+          </p:nvPr>
+        </p:nvSpPr>
+        <p:spPr/>
+        <p:txBody>
+          <a:bodyPr/>
+          <a:lstStyle/>
+          <a:p>
+            <a:r>
+              <a:rPr lang="en-US" sz="2400" dirty="0" err="1"/>
+              <a:t>dico</a:t>
+            </a:r>
+            <a:r>
+              <a:rPr lang="en-US" sz="2400" dirty="0"/>
+              <a:t>: 8876</a:t>
+            </a:r>
+            <a:endParaRPr lang="ru-RU" sz="2400" dirty="0"/>
+          </a:p>
+          <a:p>
+            <a:r>
+              <a:rPr lang="en-US" sz="2400" dirty="0" err="1"/>
+              <a:t>loquor</a:t>
+            </a:r>
+            <a:r>
+              <a:rPr lang="en-US" sz="2400" dirty="0"/>
+              <a:t>: 2244</a:t>
+            </a:r>
+          </a:p>
+          <a:p>
+            <a:endParaRPr lang="ru-RU" dirty="0"/>
+          </a:p>
+        </p:txBody>
+      </p:sp>
+      <p:sp>
+        <p:nvSpPr>
+          <p:cNvPr id="7" name="Текст 6">
+            <a:extLst>
+              <a:ext uri="{FF2B5EF4-FFF2-40B4-BE49-F238E27FC236}">
+                <a16:creationId xmlns:a16="http://schemas.microsoft.com/office/drawing/2014/main" id="{924DE97D-0116-4462-9B83-6EC188C8F272}"/>
+              </a:ext>
+            </a:extLst>
+          </p:cNvPr>
+          <p:cNvSpPr>
+            <a:spLocks noGrp="1"/>
+          </p:cNvSpPr>
+          <p:nvPr>
+            <p:ph type="body" sz="quarter" idx="3"/>
+          </p:nvPr>
+        </p:nvSpPr>
+        <p:spPr/>
+        <p:txBody>
+          <a:bodyPr/>
+          <a:lstStyle/>
+          <a:p>
+            <a:r>
+              <a:rPr lang="ru-RU" sz="2800" dirty="0"/>
+              <a:t>Не-комедия</a:t>
+            </a:r>
+          </a:p>
+        </p:txBody>
+      </p:sp>
+      <p:sp>
+        <p:nvSpPr>
+          <p:cNvPr id="8" name="Объект 7">
+            <a:extLst>
+              <a:ext uri="{FF2B5EF4-FFF2-40B4-BE49-F238E27FC236}">
+                <a16:creationId xmlns:a16="http://schemas.microsoft.com/office/drawing/2014/main" id="{682B674F-4F1C-4963-A2F4-0C5F65A0F2ED}"/>
+              </a:ext>
+            </a:extLst>
+          </p:cNvPr>
+          <p:cNvSpPr>
+            <a:spLocks noGrp="1"/>
+          </p:cNvSpPr>
+          <p:nvPr>
+            <p:ph sz="quarter" idx="4"/>
+          </p:nvPr>
+        </p:nvSpPr>
+        <p:spPr/>
+        <p:txBody>
+          <a:bodyPr>
+            <a:normAutofit/>
+          </a:bodyPr>
+          <a:lstStyle/>
+          <a:p>
+            <a:r>
+              <a:rPr lang="en-US" sz="2400" dirty="0" err="1"/>
+              <a:t>iste</a:t>
+            </a:r>
+            <a:r>
+              <a:rPr lang="en-US" sz="2400" dirty="0"/>
+              <a:t>: 4938</a:t>
+            </a:r>
+          </a:p>
+          <a:p>
+            <a:r>
+              <a:rPr lang="en-US" sz="2400" dirty="0" err="1"/>
+              <a:t>loquor</a:t>
+            </a:r>
+            <a:r>
+              <a:rPr lang="en-US" sz="2400" dirty="0"/>
+              <a:t>: 397</a:t>
+            </a:r>
+            <a:endParaRPr lang="ru-RU" sz="2400" dirty="0"/>
+          </a:p>
+        </p:txBody>
+      </p:sp>
+    </p:spTree>
+    <p:extLst>
+      <p:ext uri="{BB962C8B-B14F-4D97-AF65-F5344CB8AC3E}">
+        <p14:creationId xmlns:p14="http://schemas.microsoft.com/office/powerpoint/2010/main" val="2281367605"/>
+      </p:ext>
+    </p:extLst>
+  </p:cSld>
+  <p:clrMapOvr>
+    <a:masterClrMapping/>
+  </p:clrMapOvr>
+</p:sld>
+</file>
+
+<file path=ppt/slides/slide9.xml><?xml version="1.0" encoding="utf-8"?>
+<p:sld xmlns:a="http://schemas.openxmlformats.org/drawingml/2006/main" xmlns:r="http://schemas.openxmlformats.org/officeDocument/2006/relationships" xmlns:p="http://schemas.openxmlformats.org/presentationml/2006/main">
+  <p:cSld>
+    <p:spTree>
+      <p:nvGrpSpPr>
+        <p:cNvPr id="1" name=""/>
+        <p:cNvGrpSpPr/>
+        <p:nvPr/>
+      </p:nvGrpSpPr>
+      <p:grpSpPr>
+        <a:xfrm>
+          <a:off x="0" y="0"/>
+          <a:ext cx="0" cy="0"/>
+          <a:chOff x="0" y="0"/>
+          <a:chExt cx="0" cy="0"/>
+        </a:xfrm>
+      </p:grpSpPr>
+      <p:sp>
+        <p:nvSpPr>
+          <p:cNvPr id="4" name="Заголовок 3">
+            <a:extLst>
+              <a:ext uri="{FF2B5EF4-FFF2-40B4-BE49-F238E27FC236}">
+                <a16:creationId xmlns:a16="http://schemas.microsoft.com/office/drawing/2014/main" id="{F1BE5FBE-3C10-4F8C-9354-AB2DFC68D0E6}"/>
+              </a:ext>
+            </a:extLst>
+          </p:cNvPr>
+          <p:cNvSpPr>
+            <a:spLocks noGrp="1"/>
+          </p:cNvSpPr>
+          <p:nvPr>
+            <p:ph type="title"/>
+          </p:nvPr>
+        </p:nvSpPr>
+        <p:spPr/>
+        <p:txBody>
+          <a:bodyPr/>
+          <a:lstStyle/>
+          <a:p>
+            <a:r>
+              <a:rPr lang="ru-RU" dirty="0"/>
+              <a:t>Части речи</a:t>
+            </a:r>
+          </a:p>
+        </p:txBody>
+      </p:sp>
+      <p:sp>
+        <p:nvSpPr>
+          <p:cNvPr id="5" name="Текст 4">
+            <a:extLst>
+              <a:ext uri="{FF2B5EF4-FFF2-40B4-BE49-F238E27FC236}">
+                <a16:creationId xmlns:a16="http://schemas.microsoft.com/office/drawing/2014/main" id="{64AE1892-C915-407D-A4E1-ED2B2D6F99F1}"/>
+              </a:ext>
+            </a:extLst>
+          </p:cNvPr>
+          <p:cNvSpPr>
+            <a:spLocks noGrp="1"/>
+          </p:cNvSpPr>
+          <p:nvPr>
+            <p:ph type="body" idx="1"/>
+          </p:nvPr>
+        </p:nvSpPr>
+        <p:spPr/>
+        <p:txBody>
+          <a:bodyPr/>
+          <a:lstStyle/>
+          <a:p>
+            <a:r>
+              <a:rPr lang="ru-RU" sz="2800" dirty="0"/>
+              <a:t>Комедия</a:t>
+            </a:r>
+          </a:p>
+        </p:txBody>
+      </p:sp>
+      <p:sp>
+        <p:nvSpPr>
+          <p:cNvPr id="6" name="Объект 5">
+            <a:extLst>
+              <a:ext uri="{FF2B5EF4-FFF2-40B4-BE49-F238E27FC236}">
+                <a16:creationId xmlns:a16="http://schemas.microsoft.com/office/drawing/2014/main" id="{C3F7880D-1046-4D5E-8421-8A890A10E7BF}"/>
+              </a:ext>
+            </a:extLst>
+          </p:cNvPr>
+          <p:cNvSpPr>
+            <a:spLocks noGrp="1"/>
+          </p:cNvSpPr>
+          <p:nvPr>
+            <p:ph sz="half" idx="2"/>
+          </p:nvPr>
+        </p:nvSpPr>
+        <p:spPr/>
+        <p:txBody>
+          <a:bodyPr>
+            <a:normAutofit/>
+          </a:bodyPr>
+          <a:lstStyle/>
+          <a:p>
+            <a:r>
+              <a:rPr lang="ru-RU" sz="2000" dirty="0"/>
+              <a:t>Глагол</a:t>
+            </a:r>
+            <a:r>
+              <a:rPr lang="en-US" sz="2000" dirty="0"/>
+              <a:t>: </a:t>
+            </a:r>
+            <a:r>
+              <a:rPr lang="ru-RU" sz="2000" dirty="0"/>
+              <a:t>108560</a:t>
+            </a:r>
+          </a:p>
+          <a:p>
+            <a:r>
+              <a:rPr lang="ru-RU" sz="2000" dirty="0"/>
+              <a:t>Существительное</a:t>
+            </a:r>
+            <a:r>
+              <a:rPr lang="en-US" sz="2000" dirty="0"/>
+              <a:t>: </a:t>
+            </a:r>
+            <a:r>
+              <a:rPr lang="ru-RU" sz="2000" dirty="0"/>
+              <a:t>101418</a:t>
+            </a:r>
+            <a:endParaRPr lang="en-US" sz="2000" dirty="0"/>
+          </a:p>
+          <a:p>
+            <a:r>
+              <a:rPr lang="ru-RU" sz="2000" dirty="0"/>
+              <a:t>Прилагательное</a:t>
+            </a:r>
+            <a:r>
+              <a:rPr lang="en-US" sz="2000" dirty="0"/>
+              <a:t>:</a:t>
+            </a:r>
+            <a:r>
+              <a:rPr lang="ru-RU" sz="2000" dirty="0"/>
+              <a:t> 69788</a:t>
+            </a:r>
+            <a:endParaRPr lang="en-US" sz="2000" dirty="0"/>
+          </a:p>
+          <a:p>
+            <a:r>
+              <a:rPr lang="ru-RU" sz="2000" dirty="0"/>
+              <a:t>Местоимение: 48158</a:t>
+            </a:r>
+          </a:p>
+          <a:p>
+            <a:r>
+              <a:rPr lang="ru-RU" sz="2000" dirty="0"/>
+              <a:t>Междометие: 1428</a:t>
+            </a:r>
+          </a:p>
+          <a:p>
+            <a:r>
+              <a:rPr lang="en-US" sz="2000" dirty="0"/>
+              <a:t>NA: 333027</a:t>
+            </a:r>
+            <a:endParaRPr lang="ru-RU" sz="2000" dirty="0"/>
+          </a:p>
+        </p:txBody>
+      </p:sp>
+      <p:sp>
+        <p:nvSpPr>
+          <p:cNvPr id="7" name="Текст 6">
+            <a:extLst>
+              <a:ext uri="{FF2B5EF4-FFF2-40B4-BE49-F238E27FC236}">
+                <a16:creationId xmlns:a16="http://schemas.microsoft.com/office/drawing/2014/main" id="{924DE97D-0116-4462-9B83-6EC188C8F272}"/>
+              </a:ext>
+            </a:extLst>
+          </p:cNvPr>
+          <p:cNvSpPr>
+            <a:spLocks noGrp="1"/>
+          </p:cNvSpPr>
+          <p:nvPr>
+            <p:ph type="body" sz="quarter" idx="3"/>
+          </p:nvPr>
+        </p:nvSpPr>
+        <p:spPr/>
+        <p:txBody>
+          <a:bodyPr/>
+          <a:lstStyle/>
+          <a:p>
+            <a:r>
+              <a:rPr lang="ru-RU" sz="2800" dirty="0"/>
+              <a:t>Не-комедия</a:t>
+            </a:r>
+          </a:p>
+        </p:txBody>
+      </p:sp>
+      <p:sp>
+        <p:nvSpPr>
+          <p:cNvPr id="8" name="Объект 7">
+            <a:extLst>
+              <a:ext uri="{FF2B5EF4-FFF2-40B4-BE49-F238E27FC236}">
+                <a16:creationId xmlns:a16="http://schemas.microsoft.com/office/drawing/2014/main" id="{682B674F-4F1C-4963-A2F4-0C5F65A0F2ED}"/>
+              </a:ext>
+            </a:extLst>
+          </p:cNvPr>
+          <p:cNvSpPr>
+            <a:spLocks noGrp="1"/>
+          </p:cNvSpPr>
+          <p:nvPr>
+            <p:ph sz="quarter" idx="4"/>
+          </p:nvPr>
+        </p:nvSpPr>
+        <p:spPr/>
+        <p:txBody>
+          <a:bodyPr>
+            <a:normAutofit/>
+          </a:bodyPr>
+          <a:lstStyle/>
+          <a:p>
+            <a:r>
+              <a:rPr lang="ru-RU" sz="2000" dirty="0"/>
+              <a:t>Глагол</a:t>
+            </a:r>
+            <a:r>
+              <a:rPr lang="en-US" sz="2000" dirty="0"/>
+              <a:t>: </a:t>
+            </a:r>
+            <a:r>
+              <a:rPr lang="ru-RU" sz="2000" dirty="0"/>
+              <a:t>64710</a:t>
+            </a:r>
+          </a:p>
+          <a:p>
+            <a:r>
+              <a:rPr lang="ru-RU" sz="2000" dirty="0"/>
+              <a:t>Существительное</a:t>
+            </a:r>
+            <a:r>
+              <a:rPr lang="en-US" sz="2000" dirty="0"/>
+              <a:t>: </a:t>
+            </a:r>
+            <a:r>
+              <a:rPr lang="ru-RU" sz="2000" dirty="0"/>
+              <a:t>138020</a:t>
+            </a:r>
+            <a:endParaRPr lang="en-US" sz="2000" dirty="0"/>
+          </a:p>
+          <a:p>
+            <a:r>
+              <a:rPr lang="ru-RU" sz="2000" dirty="0"/>
+              <a:t>Прилагательное</a:t>
+            </a:r>
+            <a:r>
+              <a:rPr lang="en-US" sz="2000" dirty="0"/>
+              <a:t>:</a:t>
+            </a:r>
+            <a:r>
+              <a:rPr lang="ru-RU" sz="2000" dirty="0"/>
+              <a:t> 80036</a:t>
+            </a:r>
+            <a:endParaRPr lang="en-US" sz="2000" dirty="0"/>
+          </a:p>
+          <a:p>
+            <a:r>
+              <a:rPr lang="ru-RU" sz="2000" dirty="0"/>
+              <a:t>Местоимение: 39961</a:t>
+            </a:r>
+          </a:p>
+          <a:p>
+            <a:r>
+              <a:rPr lang="ru-RU" sz="2000" dirty="0"/>
+              <a:t>Междометие: 1078</a:t>
+            </a:r>
+          </a:p>
+          <a:p>
+            <a:r>
+              <a:rPr lang="en-US" sz="2000" dirty="0"/>
+              <a:t>NA: 383635</a:t>
+            </a:r>
+            <a:endParaRPr lang="ru-RU" sz="2000" dirty="0"/>
+          </a:p>
+        </p:txBody>
+      </p:sp>
+      <p:sp>
+        <p:nvSpPr>
+          <p:cNvPr id="10" name="Rectangle 4">
+            <a:extLst>
+              <a:ext uri="{FF2B5EF4-FFF2-40B4-BE49-F238E27FC236}">
+                <a16:creationId xmlns:a16="http://schemas.microsoft.com/office/drawing/2014/main" id="{E4C5BD37-0777-4C8F-AF60-D9CE7B9EB6ED}"/>
+              </a:ext>
+            </a:extLst>
+          </p:cNvPr>
+          <p:cNvSpPr>
+            <a:spLocks noChangeArrowheads="1"/>
+          </p:cNvSpPr>
+          <p:nvPr/>
+        </p:nvSpPr>
+        <p:spPr bwMode="auto">
+          <a:xfrm>
+            <a:off x="457200" y="616550"/>
+            <a:ext cx="115416" cy="138499"/>
+          </a:xfrm>
+          <a:prstGeom prst="rect">
+            <a:avLst/>
+          </a:prstGeom>
+          <a:noFill/>
+          <a:ln>
+            <a:noFill/>
+          </a:ln>
+          <a:effectLst/>
+          <a:extLst>
+            <a:ext uri="{909E8E84-426E-40DD-AFC4-6F175D3DCCD1}">
+              <a14:hiddenFill xmlns:a14="http://schemas.microsoft.com/office/drawing/2010/main">
+                <a:solidFill>
+                  <a:schemeClr val="accent1"/>
+                </a:solidFill>
+              </a14:hiddenFill>
+            </a:ext>
+            <a:ext uri="{91240B29-F687-4F45-9708-019B960494DF}">
+              <a14:hiddenLine xmlns:a14="http://schemas.microsoft.com/office/drawing/2010/main" w="9525">
+                <a:solidFill>
+                  <a:schemeClr val="tx1"/>
+                </a:solidFill>
+                <a:miter lim="800000"/>
+                <a:headEnd/>
+                <a:tailEnd/>
+              </a14:hiddenLine>
+            </a:ext>
+            <a:ext uri="{AF507438-7753-43E0-B8FC-AC1667EBCBE1}">
+              <a14:hiddenEffects xmlns:a14="http://schemas.microsoft.com/office/drawing/2010/main">
+                <a:effectLst>
+                  <a:outerShdw dist="35921" dir="2700000" algn="ctr" rotWithShape="0">
+                    <a:schemeClr val="bg2"/>
+                  </a:outerShdw>
+                </a:effectLst>
+              </a14:hiddenEffects>
+            </a:ext>
+          </a:extLst>
+        </p:spPr>
+        <p:txBody>
+          <a:bodyPr vert="horz" wrap="none" lIns="0" tIns="0" rIns="0" bIns="0" numCol="1" anchor="ctr" anchorCtr="0" compatLnSpc="1">
+            <a:prstTxWarp prst="textNoShape">
+              <a:avLst/>
+            </a:prstTxWarp>
+            <a:spAutoFit/>
+          </a:bodyPr>
+          <a:lstStyle/>
+          <a:p>
+            <a:pPr marL="0" marR="0" lvl="0" indent="0" algn="l" defTabSz="914400" rtl="0" eaLnBrk="0" fontAlgn="base" latinLnBrk="0" hangingPunct="0">
+              <a:lnSpc>
+                <a:spcPct val="100000"/>
+              </a:lnSpc>
+              <a:spcBef>
+                <a:spcPct val="0"/>
+              </a:spcBef>
+              <a:spcAft>
+                <a:spcPct val="0"/>
+              </a:spcAft>
+              <a:buClrTx/>
+              <a:buSzTx/>
+              <a:buFontTx/>
+              <a:buNone/>
+              <a:tabLst/>
+            </a:pPr>
+            <a:r>
+              <a:rPr kumimoji="0" lang="ru-RU" altLang="ru-RU" sz="900" b="0" i="0" u="none" strike="noStrike" cap="none" normalizeH="0" baseline="0" dirty="0">
+                <a:ln>
+                  <a:noFill/>
+                </a:ln>
+                <a:solidFill>
+                  <a:srgbClr val="000000"/>
+                </a:solidFill>
+                <a:effectLst/>
+                <a:latin typeface="Monospaced"/>
+              </a:rPr>
+              <a:t>6=</a:t>
+            </a:r>
+            <a:endParaRPr kumimoji="0" lang="ru-RU" altLang="ru-RU" sz="1800" b="0" i="0" u="none" strike="noStrike" cap="none" normalizeH="0" baseline="0" dirty="0">
+              <a:ln>
+                <a:noFill/>
+              </a:ln>
+              <a:solidFill>
+                <a:schemeClr val="tx1"/>
+              </a:solidFill>
+              <a:effectLst/>
+              <a:latin typeface="Arial" panose="020B0604020202020204" pitchFamily="34" charset="0"/>
+            </a:endParaRPr>
+          </a:p>
+        </p:txBody>
+      </p:sp>
+    </p:spTree>
+    <p:extLst>
+      <p:ext uri="{BB962C8B-B14F-4D97-AF65-F5344CB8AC3E}">
+        <p14:creationId xmlns:p14="http://schemas.microsoft.com/office/powerpoint/2010/main" val="289591831"/>
       </p:ext>
     </p:extLst>
   </p:cSld>
